--- a/clinical-research-methodology/results/video09a-validity.pptx
+++ b/clinical-research-methodology/results/video09a-validity.pptx
@@ -48304,15 +48304,7 @@
             </a:pPr>
             <a:r>
               <a:rPr/>
-              <a:t>Video</a:t>
-            </a:r>
-            <a:r>
-              <a:rPr/>
-              <a:t> </a:t>
-            </a:r>
-            <a:r>
-              <a:rPr/>
-              <a:t>9</a:t>
+              <a:t>Video09a</a:t>
             </a:r>
             <a:r>
               <a:rPr/>

--- a/clinical-research-methodology/results/video09a-validity.pptx
+++ b/clinical-research-methodology/results/video09a-validity.pptx
@@ -1,6 +1,6 @@
 
 <file path=ppt/presentation.xml><?xml version="1.0" encoding="utf-8"?>
-<p:presentation xmlns:a="http://schemas.openxmlformats.org/drawingml/2006/main" xmlns:r="http://schemas.openxmlformats.org/officeDocument/2006/relationships" xmlns:p="http://schemas.openxmlformats.org/presentationml/2006/main" saveSubsetFonts="1" autoCompressPictures="0">
+<p:presentation xmlns:a="http://schemas.openxmlformats.org/drawingml/2006/main" xmlns:p="http://schemas.openxmlformats.org/presentationml/2006/main" xmlns:r="http://schemas.openxmlformats.org/officeDocument/2006/relationships" autoCompressPictures="0" saveSubsetFonts="1">
   <p:sldMasterIdLst>
     <p:sldMasterId id="2147483648" r:id="rId1"/>
   </p:sldMasterIdLst>
@@ -47,8 +47,8 @@
     <a:defPPr>
       <a:defRPr lang="en-US"/>
     </a:defPPr>
-    <a:lvl1pPr marL="0" algn="l" defTabSz="457200" rtl="0" eaLnBrk="1" latinLnBrk="0" hangingPunct="1">
-      <a:defRPr sz="1800" kern="1200">
+    <a:lvl1pPr algn="l" defTabSz="457200" eaLnBrk="1" hangingPunct="1" latinLnBrk="0" marL="0" rtl="0">
+      <a:defRPr kern="1200" sz="1800">
         <a:solidFill>
           <a:schemeClr val="tx1"/>
         </a:solidFill>
@@ -57,8 +57,8 @@
         <a:cs typeface="+mn-cs"/>
       </a:defRPr>
     </a:lvl1pPr>
-    <a:lvl2pPr marL="457200" algn="l" defTabSz="457200" rtl="0" eaLnBrk="1" latinLnBrk="0" hangingPunct="1">
-      <a:defRPr sz="1800" kern="1200">
+    <a:lvl2pPr algn="l" defTabSz="457200" eaLnBrk="1" hangingPunct="1" latinLnBrk="0" marL="457200" rtl="0">
+      <a:defRPr kern="1200" sz="1800">
         <a:solidFill>
           <a:schemeClr val="tx1"/>
         </a:solidFill>
@@ -67,8 +67,8 @@
         <a:cs typeface="+mn-cs"/>
       </a:defRPr>
     </a:lvl2pPr>
-    <a:lvl3pPr marL="914400" algn="l" defTabSz="457200" rtl="0" eaLnBrk="1" latinLnBrk="0" hangingPunct="1">
-      <a:defRPr sz="1800" kern="1200">
+    <a:lvl3pPr algn="l" defTabSz="457200" eaLnBrk="1" hangingPunct="1" latinLnBrk="0" marL="914400" rtl="0">
+      <a:defRPr kern="1200" sz="1800">
         <a:solidFill>
           <a:schemeClr val="tx1"/>
         </a:solidFill>
@@ -77,8 +77,8 @@
         <a:cs typeface="+mn-cs"/>
       </a:defRPr>
     </a:lvl3pPr>
-    <a:lvl4pPr marL="1371600" algn="l" defTabSz="457200" rtl="0" eaLnBrk="1" latinLnBrk="0" hangingPunct="1">
-      <a:defRPr sz="1800" kern="1200">
+    <a:lvl4pPr algn="l" defTabSz="457200" eaLnBrk="1" hangingPunct="1" latinLnBrk="0" marL="1371600" rtl="0">
+      <a:defRPr kern="1200" sz="1800">
         <a:solidFill>
           <a:schemeClr val="tx1"/>
         </a:solidFill>
@@ -87,8 +87,8 @@
         <a:cs typeface="+mn-cs"/>
       </a:defRPr>
     </a:lvl4pPr>
-    <a:lvl5pPr marL="1828800" algn="l" defTabSz="457200" rtl="0" eaLnBrk="1" latinLnBrk="0" hangingPunct="1">
-      <a:defRPr sz="1800" kern="1200">
+    <a:lvl5pPr algn="l" defTabSz="457200" eaLnBrk="1" hangingPunct="1" latinLnBrk="0" marL="1828800" rtl="0">
+      <a:defRPr kern="1200" sz="1800">
         <a:solidFill>
           <a:schemeClr val="tx1"/>
         </a:solidFill>
@@ -97,8 +97,8 @@
         <a:cs typeface="+mn-cs"/>
       </a:defRPr>
     </a:lvl5pPr>
-    <a:lvl6pPr marL="2286000" algn="l" defTabSz="457200" rtl="0" eaLnBrk="1" latinLnBrk="0" hangingPunct="1">
-      <a:defRPr sz="1800" kern="1200">
+    <a:lvl6pPr algn="l" defTabSz="457200" eaLnBrk="1" hangingPunct="1" latinLnBrk="0" marL="2286000" rtl="0">
+      <a:defRPr kern="1200" sz="1800">
         <a:solidFill>
           <a:schemeClr val="tx1"/>
         </a:solidFill>
@@ -107,8 +107,8 @@
         <a:cs typeface="+mn-cs"/>
       </a:defRPr>
     </a:lvl6pPr>
-    <a:lvl7pPr marL="2743200" algn="l" defTabSz="457200" rtl="0" eaLnBrk="1" latinLnBrk="0" hangingPunct="1">
-      <a:defRPr sz="1800" kern="1200">
+    <a:lvl7pPr algn="l" defTabSz="457200" eaLnBrk="1" hangingPunct="1" latinLnBrk="0" marL="2743200" rtl="0">
+      <a:defRPr kern="1200" sz="1800">
         <a:solidFill>
           <a:schemeClr val="tx1"/>
         </a:solidFill>
@@ -117,8 +117,8 @@
         <a:cs typeface="+mn-cs"/>
       </a:defRPr>
     </a:lvl7pPr>
-    <a:lvl8pPr marL="3200400" algn="l" defTabSz="457200" rtl="0" eaLnBrk="1" latinLnBrk="0" hangingPunct="1">
-      <a:defRPr sz="1800" kern="1200">
+    <a:lvl8pPr algn="l" defTabSz="457200" eaLnBrk="1" hangingPunct="1" latinLnBrk="0" marL="3200400" rtl="0">
+      <a:defRPr kern="1200" sz="1800">
         <a:solidFill>
           <a:schemeClr val="tx1"/>
         </a:solidFill>
@@ -127,8 +127,8 @@
         <a:cs typeface="+mn-cs"/>
       </a:defRPr>
     </a:lvl8pPr>
-    <a:lvl9pPr marL="3657600" algn="l" defTabSz="457200" rtl="0" eaLnBrk="1" latinLnBrk="0" hangingPunct="1">
-      <a:defRPr sz="1800" kern="1200">
+    <a:lvl9pPr algn="l" defTabSz="457200" eaLnBrk="1" hangingPunct="1" latinLnBrk="0" marL="3657600" rtl="0">
+      <a:defRPr kern="1200" sz="1800">
         <a:solidFill>
           <a:schemeClr val="tx1"/>
         </a:solidFill>
@@ -48348,7 +48348,7 @@
             <a:spLocks noGrp="1"/>
           </p:cNvSpPr>
           <p:nvPr>
-            <p:ph type="subTitle" idx="1"/>
+            <p:ph idx="1" type="subTitle"/>
           </p:nvPr>
         </p:nvSpPr>
         <p:spPr>
@@ -49796,6 +49796,9 @@
                       </m:sup>
                     </m:sSup>
                     <m:r>
+                      <m:rPr>
+                        <m:sty m:val="p"/>
+                      </m:rPr>
                       <m:t>=</m:t>
                     </m:r>
                     <m:r>
@@ -49831,6 +49834,9 @@
                       </m:sup>
                     </m:sSup>
                     <m:r>
+                      <m:rPr>
+                        <m:sty m:val="p"/>
+                      </m:rPr>
                       <m:t>&gt;</m:t>
                     </m:r>
                     <m:r>
@@ -50173,6 +50179,9 @@
                       </m:sup>
                     </m:sSup>
                     <m:r>
+                      <m:rPr>
+                        <m:sty m:val="p"/>
+                      </m:rPr>
                       <m:t>=</m:t>
                     </m:r>
                     <m:r>
@@ -50219,6 +50228,9 @@
                       </m:sup>
                     </m:sSup>
                     <m:r>
+                      <m:rPr>
+                        <m:sty m:val="p"/>
+                      </m:rPr>
                       <m:t>&gt;</m:t>
                     </m:r>
                     <m:r>

--- a/clinical-research-methodology/results/video09a-validity.pptx
+++ b/clinical-research-methodology/results/video09a-validity.pptx
@@ -49595,7 +49595,7 @@
             <a:pPr lvl="1"/>
             <a:r>
               <a:rPr/>
-              <a:t>Brown-Spearman adjustement</a:t>
+              <a:t>Brown-Spearman adjustment</a:t>
             </a:r>
           </a:p>
         </p:txBody>
@@ -49685,6 +49685,115 @@
                   <a:rPr/>
                   <a:t>Only for composite measures with binary items</a:t>
                 </a:r>
+              </a:p>
+              <a:p>
+                <a:pPr lvl="1"/>
+                <a14:m>
+                  <m:oMath xmlns:m="http://schemas.openxmlformats.org/officeDocument/2006/math">
+                    <m:f>
+                      <m:fPr>
+                        <m:type m:val="bar"/>
+                      </m:fPr>
+                      <m:num>
+                        <m:r>
+                          <m:t>1</m:t>
+                        </m:r>
+                      </m:num>
+                      <m:den>
+                        <m:r>
+                          <m:t>I</m:t>
+                        </m:r>
+                        <m:r>
+                          <m:rPr>
+                            <m:sty m:val="p"/>
+                          </m:rPr>
+                          <m:t>−</m:t>
+                        </m:r>
+                        <m:r>
+                          <m:t>1</m:t>
+                        </m:r>
+                      </m:den>
+                    </m:f>
+                    <m:r>
+                      <m:rPr>
+                        <m:sty m:val="p"/>
+                      </m:rPr>
+                      <m:t>(</m:t>
+                    </m:r>
+                    <m:r>
+                      <m:t>1</m:t>
+                    </m:r>
+                    <m:r>
+                      <m:rPr>
+                        <m:sty m:val="p"/>
+                      </m:rPr>
+                      <m:t>−</m:t>
+                    </m:r>
+                    <m:f>
+                      <m:fPr>
+                        <m:type m:val="bar"/>
+                      </m:fPr>
+                      <m:num>
+                        <m:sSub>
+                          <m:e>
+                            <m:r>
+                              <m:t>Σ</m:t>
+                            </m:r>
+                          </m:e>
+                          <m:sub>
+                            <m:r>
+                              <m:t>i</m:t>
+                            </m:r>
+                          </m:sub>
+                        </m:sSub>
+                        <m:sSub>
+                          <m:e>
+                            <m:r>
+                              <m:t>p</m:t>
+                            </m:r>
+                          </m:e>
+                          <m:sub>
+                            <m:r>
+                              <m:t>i</m:t>
+                            </m:r>
+                          </m:sub>
+                        </m:sSub>
+                        <m:sSub>
+                          <m:e>
+                            <m:r>
+                              <m:t>q</m:t>
+                            </m:r>
+                          </m:e>
+                          <m:sub>
+                            <m:r>
+                              <m:t>i</m:t>
+                            </m:r>
+                          </m:sub>
+                        </m:sSub>
+                      </m:num>
+                      <m:den>
+                        <m:sSup>
+                          <m:e>
+                            <m:r>
+                              <m:t>S</m:t>
+                            </m:r>
+                          </m:e>
+                          <m:sup>
+                            <m:r>
+                              <m:t>2</m:t>
+                            </m:r>
+                          </m:sup>
+                        </m:sSup>
+                      </m:den>
+                    </m:f>
+                    <m:r>
+                      <m:rPr>
+                        <m:sty m:val="p"/>
+                      </m:rPr>
+                      <m:t>)</m:t>
+                    </m:r>
+                  </m:oMath>
+                </a14:m>
               </a:p>
               <a:p>
                 <a:pPr lvl="1"/>
